--- a/radom.pptx
+++ b/radom.pptx
@@ -113,7 +113,7 @@
   <p:extLst>
     <p:ext uri="{EFAFB233-063F-42B5-8137-9DF3F51BA10A}">
       <p15:sldGuideLst xmlns:p15="http://schemas.microsoft.com/office/powerpoint/2012/main">
-        <p15:guide id="1" orient="horz" pos="2160" userDrawn="1">
+        <p15:guide id="1" orient="horz" pos="2137" userDrawn="1">
           <p15:clr>
             <a:srgbClr val="A4A3A4"/>
           </p15:clr>
@@ -276,7 +276,7 @@
           <a:p>
             <a:fld id="{FBFF1DF5-E594-4A89-BAD8-7D6BB918245E}" type="datetimeFigureOut">
               <a:rPr lang="zh-CN" altLang="en-US" smtClean="0"/>
-              <a:t>2019/5/7</a:t>
+              <a:t>2019/5/8</a:t>
             </a:fld>
             <a:endParaRPr lang="zh-CN" altLang="en-US"/>
           </a:p>
@@ -474,7 +474,7 @@
           <a:p>
             <a:fld id="{FBFF1DF5-E594-4A89-BAD8-7D6BB918245E}" type="datetimeFigureOut">
               <a:rPr lang="zh-CN" altLang="en-US" smtClean="0"/>
-              <a:t>2019/5/7</a:t>
+              <a:t>2019/5/8</a:t>
             </a:fld>
             <a:endParaRPr lang="zh-CN" altLang="en-US"/>
           </a:p>
@@ -682,7 +682,7 @@
           <a:p>
             <a:fld id="{FBFF1DF5-E594-4A89-BAD8-7D6BB918245E}" type="datetimeFigureOut">
               <a:rPr lang="zh-CN" altLang="en-US" smtClean="0"/>
-              <a:t>2019/5/7</a:t>
+              <a:t>2019/5/8</a:t>
             </a:fld>
             <a:endParaRPr lang="zh-CN" altLang="en-US"/>
           </a:p>
@@ -880,7 +880,7 @@
           <a:p>
             <a:fld id="{FBFF1DF5-E594-4A89-BAD8-7D6BB918245E}" type="datetimeFigureOut">
               <a:rPr lang="zh-CN" altLang="en-US" smtClean="0"/>
-              <a:t>2019/5/7</a:t>
+              <a:t>2019/5/8</a:t>
             </a:fld>
             <a:endParaRPr lang="zh-CN" altLang="en-US"/>
           </a:p>
@@ -1155,7 +1155,7 @@
           <a:p>
             <a:fld id="{FBFF1DF5-E594-4A89-BAD8-7D6BB918245E}" type="datetimeFigureOut">
               <a:rPr lang="zh-CN" altLang="en-US" smtClean="0"/>
-              <a:t>2019/5/7</a:t>
+              <a:t>2019/5/8</a:t>
             </a:fld>
             <a:endParaRPr lang="zh-CN" altLang="en-US"/>
           </a:p>
@@ -1420,7 +1420,7 @@
           <a:p>
             <a:fld id="{FBFF1DF5-E594-4A89-BAD8-7D6BB918245E}" type="datetimeFigureOut">
               <a:rPr lang="zh-CN" altLang="en-US" smtClean="0"/>
-              <a:t>2019/5/7</a:t>
+              <a:t>2019/5/8</a:t>
             </a:fld>
             <a:endParaRPr lang="zh-CN" altLang="en-US"/>
           </a:p>
@@ -1832,7 +1832,7 @@
           <a:p>
             <a:fld id="{FBFF1DF5-E594-4A89-BAD8-7D6BB918245E}" type="datetimeFigureOut">
               <a:rPr lang="zh-CN" altLang="en-US" smtClean="0"/>
-              <a:t>2019/5/7</a:t>
+              <a:t>2019/5/8</a:t>
             </a:fld>
             <a:endParaRPr lang="zh-CN" altLang="en-US"/>
           </a:p>
@@ -1973,7 +1973,7 @@
           <a:p>
             <a:fld id="{FBFF1DF5-E594-4A89-BAD8-7D6BB918245E}" type="datetimeFigureOut">
               <a:rPr lang="zh-CN" altLang="en-US" smtClean="0"/>
-              <a:t>2019/5/7</a:t>
+              <a:t>2019/5/8</a:t>
             </a:fld>
             <a:endParaRPr lang="zh-CN" altLang="en-US"/>
           </a:p>
@@ -2086,7 +2086,7 @@
           <a:p>
             <a:fld id="{FBFF1DF5-E594-4A89-BAD8-7D6BB918245E}" type="datetimeFigureOut">
               <a:rPr lang="zh-CN" altLang="en-US" smtClean="0"/>
-              <a:t>2019/5/7</a:t>
+              <a:t>2019/5/8</a:t>
             </a:fld>
             <a:endParaRPr lang="zh-CN" altLang="en-US"/>
           </a:p>
@@ -2397,7 +2397,7 @@
           <a:p>
             <a:fld id="{FBFF1DF5-E594-4A89-BAD8-7D6BB918245E}" type="datetimeFigureOut">
               <a:rPr lang="zh-CN" altLang="en-US" smtClean="0"/>
-              <a:t>2019/5/7</a:t>
+              <a:t>2019/5/8</a:t>
             </a:fld>
             <a:endParaRPr lang="zh-CN" altLang="en-US"/>
           </a:p>
@@ -2685,7 +2685,7 @@
           <a:p>
             <a:fld id="{FBFF1DF5-E594-4A89-BAD8-7D6BB918245E}" type="datetimeFigureOut">
               <a:rPr lang="zh-CN" altLang="en-US" smtClean="0"/>
-              <a:t>2019/5/7</a:t>
+              <a:t>2019/5/8</a:t>
             </a:fld>
             <a:endParaRPr lang="zh-CN" altLang="en-US"/>
           </a:p>
@@ -2926,7 +2926,7 @@
           <a:p>
             <a:fld id="{FBFF1DF5-E594-4A89-BAD8-7D6BB918245E}" type="datetimeFigureOut">
               <a:rPr lang="zh-CN" altLang="en-US" smtClean="0"/>
-              <a:t>2019/5/7</a:t>
+              <a:t>2019/5/8</a:t>
             </a:fld>
             <a:endParaRPr lang="zh-CN" altLang="en-US"/>
           </a:p>
@@ -3701,8 +3701,8 @@
         </p:blipFill>
         <p:spPr>
           <a:xfrm>
-            <a:off x="6667888" y="0"/>
-            <a:ext cx="5524112" cy="3429000"/>
+            <a:off x="6464945" y="0"/>
+            <a:ext cx="5727055" cy="3439092"/>
           </a:xfrm>
           <a:prstGeom prst="rect">
             <a:avLst/>
@@ -3795,7 +3795,7 @@
           <a:p>
             <a:r>
               <a:rPr lang="en-US" altLang="zh-CN" dirty="0"/>
-              <a:t>P.S. in my program, I generated 100 random numbers between 0 and 9 each time. So the occurred times of number Zero should be 10 times in average.</a:t>
+              <a:t>The program generated 100 random numbers between 0 and 9 every time. So the occurred times of number Zero should be 10 times in average.</a:t>
             </a:r>
             <a:endParaRPr lang="zh-CN" altLang="en-US" dirty="0"/>
           </a:p>
@@ -3928,8 +3928,8 @@
         </p:blipFill>
         <p:spPr>
           <a:xfrm>
-            <a:off x="6667888" y="0"/>
-            <a:ext cx="5524112" cy="3429000"/>
+            <a:off x="6464946" y="0"/>
+            <a:ext cx="5727053" cy="3439092"/>
           </a:xfrm>
           <a:prstGeom prst="rect">
             <a:avLst/>
@@ -3967,8 +3967,8 @@
         </p:blipFill>
         <p:spPr>
           <a:xfrm>
-            <a:off x="1061937" y="2290619"/>
-            <a:ext cx="3882894" cy="840158"/>
+            <a:off x="1061937" y="2304219"/>
+            <a:ext cx="3685161" cy="797373"/>
           </a:xfrm>
           <a:prstGeom prst="rect">
             <a:avLst/>
@@ -3990,7 +3990,7 @@
         <p:spPr>
           <a:xfrm>
             <a:off x="972854" y="3439092"/>
-            <a:ext cx="5123146" cy="646331"/>
+            <a:ext cx="5123146" cy="1754326"/>
           </a:xfrm>
           <a:prstGeom prst="rect">
             <a:avLst/>
@@ -4013,7 +4013,24 @@
             </a:r>
             <a:r>
               <a:rPr lang="en-US" altLang="zh-CN" dirty="0"/>
-              <a:t> = 2, the figure of Exponential distribution was as same as the result of program.</a:t>
+              <a:t> = 1, the figure of Exponential distribution was as same as the result of program.</a:t>
+            </a:r>
+          </a:p>
+          <a:p>
+            <a:endParaRPr lang="en-US" altLang="zh-CN" dirty="0"/>
+          </a:p>
+          <a:p>
+            <a:r>
+              <a:rPr lang="en-US" altLang="zh-CN" dirty="0"/>
+              <a:t>The probability that two consecutive 0 generated is 1% and the program generated 100 random numbers each unit time. So the </a:t>
+            </a:r>
+            <a:r>
+              <a:rPr lang="el-GR" altLang="zh-CN" dirty="0"/>
+              <a:t>λ</a:t>
+            </a:r>
+            <a:r>
+              <a:rPr lang="en-US" altLang="zh-CN" dirty="0"/>
+              <a:t> should be 1.</a:t>
             </a:r>
           </a:p>
         </p:txBody>
@@ -4114,10 +4131,10 @@
       </p:pic>
       <p:pic>
         <p:nvPicPr>
-          <p:cNvPr id="4" name="图片 3">
-            <a:extLst>
-              <a:ext uri="{FF2B5EF4-FFF2-40B4-BE49-F238E27FC236}">
-                <a16:creationId xmlns:a16="http://schemas.microsoft.com/office/drawing/2014/main" id="{8BC7A77D-9D3A-4297-BAEF-A3D8B4F03A2D}"/>
+          <p:cNvPr id="8" name="图形 7">
+            <a:extLst>
+              <a:ext uri="{FF2B5EF4-FFF2-40B4-BE49-F238E27FC236}">
+                <a16:creationId xmlns:a16="http://schemas.microsoft.com/office/drawing/2014/main" id="{1D187280-1A07-41CF-AF06-0B4072F7EF1E}"/>
               </a:ext>
             </a:extLst>
           </p:cNvPr>
@@ -4132,6 +4149,9 @@
               <a:ext uri="{28A0092B-C50C-407E-A947-70E740481C1C}">
                 <a14:useLocalDpi xmlns:a14="http://schemas.microsoft.com/office/drawing/2010/main" val="0"/>
               </a:ext>
+              <a:ext uri="{96DAC541-7B7A-43D3-8B79-37D633B846F1}">
+                <asvg:svgBlip xmlns:asvg="http://schemas.microsoft.com/office/drawing/2016/SVG/main" r:embed="rId4"/>
+              </a:ext>
             </a:extLst>
           </a:blip>
           <a:stretch>
@@ -4140,20 +4160,88 @@
         </p:blipFill>
         <p:spPr>
           <a:xfrm>
-            <a:off x="6667888" y="0"/>
-            <a:ext cx="5524112" cy="3429000"/>
+            <a:off x="1062037" y="2206999"/>
+            <a:ext cx="4805031" cy="918295"/>
           </a:xfrm>
           <a:prstGeom prst="rect">
             <a:avLst/>
           </a:prstGeom>
         </p:spPr>
       </p:pic>
+      <p:sp>
+        <p:nvSpPr>
+          <p:cNvPr id="9" name="文本框 8">
+            <a:extLst>
+              <a:ext uri="{FF2B5EF4-FFF2-40B4-BE49-F238E27FC236}">
+                <a16:creationId xmlns:a16="http://schemas.microsoft.com/office/drawing/2014/main" id="{EAC5515A-417B-4679-B491-882EB7490E65}"/>
+              </a:ext>
+            </a:extLst>
+          </p:cNvPr>
+          <p:cNvSpPr txBox="1"/>
+          <p:nvPr/>
+        </p:nvSpPr>
+        <p:spPr>
+          <a:xfrm>
+            <a:off x="972854" y="3439092"/>
+            <a:ext cx="5123146" cy="2031325"/>
+          </a:xfrm>
+          <a:prstGeom prst="rect">
+            <a:avLst/>
+          </a:prstGeom>
+          <a:noFill/>
+        </p:spPr>
+        <p:txBody>
+          <a:bodyPr wrap="square" rtlCol="0">
+            <a:spAutoFit/>
+          </a:bodyPr>
+          <a:lstStyle/>
+          <a:p>
+            <a:r>
+              <a:rPr lang="en-US" altLang="zh-CN" dirty="0"/>
+              <a:t>When the µ = 10,</a:t>
+            </a:r>
+            <a:r>
+              <a:rPr lang="zh-CN" altLang="en-US" dirty="0"/>
+              <a:t> </a:t>
+            </a:r>
+            <a:r>
+              <a:rPr lang="en-US" altLang="zh-CN" dirty="0"/>
+              <a:t>k</a:t>
+            </a:r>
+            <a:r>
+              <a:rPr lang="zh-CN" altLang="en-US" dirty="0"/>
+              <a:t> </a:t>
+            </a:r>
+            <a:r>
+              <a:rPr lang="en-US" altLang="zh-CN" dirty="0"/>
+              <a:t>=</a:t>
+            </a:r>
+            <a:r>
+              <a:rPr lang="zh-CN" altLang="en-US" dirty="0"/>
+              <a:t> </a:t>
+            </a:r>
+            <a:r>
+              <a:rPr lang="en-US" altLang="zh-CN" dirty="0"/>
+              <a:t>2, the result of program seems like a part of figure of Erlang-2 distribution.</a:t>
+            </a:r>
+          </a:p>
+          <a:p>
+            <a:endParaRPr lang="en-US" altLang="zh-CN" dirty="0"/>
+          </a:p>
+          <a:p>
+            <a:r>
+              <a:rPr lang="en-US" altLang="zh-CN" dirty="0"/>
+              <a:t>The probability that three consecutive 0 generated is 1‰ and the program generated 100 random numbers each unit time. So the µ should be 10.</a:t>
+            </a:r>
+          </a:p>
+        </p:txBody>
+      </p:sp>
       <p:pic>
         <p:nvPicPr>
-          <p:cNvPr id="8" name="图形 7">
-            <a:extLst>
-              <a:ext uri="{FF2B5EF4-FFF2-40B4-BE49-F238E27FC236}">
-                <a16:creationId xmlns:a16="http://schemas.microsoft.com/office/drawing/2014/main" id="{1D187280-1A07-41CF-AF06-0B4072F7EF1E}"/>
+          <p:cNvPr id="6" name="图片 5">
+            <a:extLst>
+              <a:ext uri="{FF2B5EF4-FFF2-40B4-BE49-F238E27FC236}">
+                <a16:creationId xmlns:a16="http://schemas.microsoft.com/office/drawing/2014/main" id="{AEC7CD2E-04BD-4BD7-BC5A-278800CC8F8A}"/>
               </a:ext>
             </a:extLst>
           </p:cNvPr>
@@ -4163,13 +4251,10 @@
           <p:nvPr/>
         </p:nvPicPr>
         <p:blipFill>
-          <a:blip r:embed="rId4">
+          <a:blip r:embed="rId5">
             <a:extLst>
               <a:ext uri="{28A0092B-C50C-407E-A947-70E740481C1C}">
                 <a14:useLocalDpi xmlns:a14="http://schemas.microsoft.com/office/drawing/2010/main" val="0"/>
-              </a:ext>
-              <a:ext uri="{96DAC541-7B7A-43D3-8B79-37D633B846F1}">
-                <asvg:svgBlip xmlns:asvg="http://schemas.microsoft.com/office/drawing/2016/SVG/main" r:embed="rId5"/>
               </a:ext>
             </a:extLst>
           </a:blip>
@@ -4179,82 +4264,14 @@
         </p:blipFill>
         <p:spPr>
           <a:xfrm>
-            <a:off x="1062037" y="2216727"/>
-            <a:ext cx="4805031" cy="918295"/>
+            <a:off x="6464944" y="0"/>
+            <a:ext cx="5727055" cy="3439092"/>
           </a:xfrm>
           <a:prstGeom prst="rect">
             <a:avLst/>
           </a:prstGeom>
         </p:spPr>
       </p:pic>
-      <p:sp>
-        <p:nvSpPr>
-          <p:cNvPr id="9" name="文本框 8">
-            <a:extLst>
-              <a:ext uri="{FF2B5EF4-FFF2-40B4-BE49-F238E27FC236}">
-                <a16:creationId xmlns:a16="http://schemas.microsoft.com/office/drawing/2014/main" id="{EAC5515A-417B-4679-B491-882EB7490E65}"/>
-              </a:ext>
-            </a:extLst>
-          </p:cNvPr>
-          <p:cNvSpPr txBox="1"/>
-          <p:nvPr/>
-        </p:nvSpPr>
-        <p:spPr>
-          <a:xfrm>
-            <a:off x="972854" y="3439092"/>
-            <a:ext cx="5123146" cy="1754326"/>
-          </a:xfrm>
-          <a:prstGeom prst="rect">
-            <a:avLst/>
-          </a:prstGeom>
-          <a:noFill/>
-        </p:spPr>
-        <p:txBody>
-          <a:bodyPr wrap="square" rtlCol="0">
-            <a:spAutoFit/>
-          </a:bodyPr>
-          <a:lstStyle/>
-          <a:p>
-            <a:r>
-              <a:rPr lang="en-US" altLang="zh-CN" dirty="0"/>
-              <a:t>When the µ = 3,</a:t>
-            </a:r>
-            <a:r>
-              <a:rPr lang="zh-CN" altLang="en-US" dirty="0"/>
-              <a:t> </a:t>
-            </a:r>
-            <a:r>
-              <a:rPr lang="en-US" altLang="zh-CN" dirty="0"/>
-              <a:t>k</a:t>
-            </a:r>
-            <a:r>
-              <a:rPr lang="zh-CN" altLang="en-US" dirty="0"/>
-              <a:t> </a:t>
-            </a:r>
-            <a:r>
-              <a:rPr lang="en-US" altLang="zh-CN" dirty="0"/>
-              <a:t>=</a:t>
-            </a:r>
-            <a:r>
-              <a:rPr lang="zh-CN" altLang="en-US" dirty="0"/>
-              <a:t> </a:t>
-            </a:r>
-            <a:r>
-              <a:rPr lang="en-US" altLang="zh-CN" dirty="0"/>
-              <a:t>2, the figure of Erlang-2 distribution was as same as the result of program that x ≥ 3.</a:t>
-            </a:r>
-          </a:p>
-          <a:p>
-            <a:endParaRPr lang="en-US" altLang="zh-CN" dirty="0"/>
-          </a:p>
-          <a:p>
-            <a:r>
-              <a:rPr lang="en-US" altLang="zh-CN" dirty="0"/>
-              <a:t>The time interval should not be less than 3, when the number Zero is three consecutive occurrences.</a:t>
-            </a:r>
-          </a:p>
-        </p:txBody>
-      </p:sp>
     </p:spTree>
     <p:extLst>
       <p:ext uri="{BB962C8B-B14F-4D97-AF65-F5344CB8AC3E}">
@@ -4354,7 +4371,7 @@
             </a:r>
             <a:r>
               <a:rPr lang="en-US" altLang="zh-CN" sz="2400" dirty="0"/>
-              <a:t>” to generate ten million random numbers in my Python program.</a:t>
+              <a:t>()” to generate ten million random numbers in my Python program.</a:t>
             </a:r>
           </a:p>
           <a:p>
@@ -4372,7 +4389,7 @@
             </a:pPr>
             <a:r>
               <a:rPr lang="en-US" altLang="zh-CN" sz="2400" dirty="0"/>
-              <a:t>I generated many random numbers at first and read these numbers one by one in each time. So the time interval just means times of that program read these random numbers. </a:t>
+              <a:t>I generated ten million random numbers at first and read 100 numbers each unit time. So the time interval just means times of the program reads each 100 random numbers. </a:t>
             </a:r>
             <a:endParaRPr lang="zh-CN" altLang="en-US" sz="2400" dirty="0"/>
           </a:p>
@@ -4397,7 +4414,7 @@
     <p:bg>
       <p:bgPr>
         <a:solidFill>
-          <a:srgbClr val="F6F8FA"/>
+          <a:srgbClr val="FFFFFF"/>
         </a:solidFill>
         <a:effectLst/>
       </p:bgPr>
@@ -4416,40 +4433,6 @@
           <a:chExt cx="0" cy="0"/>
         </a:xfrm>
       </p:grpSpPr>
-      <p:pic>
-        <p:nvPicPr>
-          <p:cNvPr id="9" name="内容占位符 8" descr="图片包含 屏幕截图&#10;&#10;描述已自动生成">
-            <a:extLst>
-              <a:ext uri="{FF2B5EF4-FFF2-40B4-BE49-F238E27FC236}">
-                <a16:creationId xmlns:a16="http://schemas.microsoft.com/office/drawing/2014/main" id="{1929A699-B6F7-44C4-B646-29AD075A5D29}"/>
-              </a:ext>
-            </a:extLst>
-          </p:cNvPr>
-          <p:cNvPicPr>
-            <a:picLocks noGrp="1" noChangeAspect="1"/>
-          </p:cNvPicPr>
-          <p:nvPr>
-            <p:ph idx="1"/>
-          </p:nvPr>
-        </p:nvPicPr>
-        <p:blipFill rotWithShape="1">
-          <a:blip r:embed="rId2">
-            <a:extLst>
-              <a:ext uri="{28A0092B-C50C-407E-A947-70E740481C1C}">
-                <a14:useLocalDpi xmlns:a14="http://schemas.microsoft.com/office/drawing/2010/main" val="0"/>
-              </a:ext>
-            </a:extLst>
-          </a:blip>
-          <a:srcRect l="17314" t="3980" r="31063" b="50541"/>
-          <a:stretch/>
-        </p:blipFill>
-        <p:spPr>
-          <a:xfrm>
-            <a:off x="0" y="160509"/>
-            <a:ext cx="6293795" cy="6536982"/>
-          </a:xfrm>
-        </p:spPr>
-      </p:pic>
       <p:sp>
         <p:nvSpPr>
           <p:cNvPr id="2" name="标题 1">
@@ -4486,10 +4469,10 @@
       </p:sp>
       <p:pic>
         <p:nvPicPr>
-          <p:cNvPr id="13" name="内容占位符 8" descr="图片包含 屏幕截图&#10;&#10;描述已自动生成">
-            <a:extLst>
-              <a:ext uri="{FF2B5EF4-FFF2-40B4-BE49-F238E27FC236}">
-                <a16:creationId xmlns:a16="http://schemas.microsoft.com/office/drawing/2014/main" id="{B4D1533A-3605-40B2-96C4-00582D87E792}"/>
+          <p:cNvPr id="18" name="图片 17" descr="图片包含 屏幕截图&#10;&#10;描述已自动生成">
+            <a:extLst>
+              <a:ext uri="{FF2B5EF4-FFF2-40B4-BE49-F238E27FC236}">
+                <a16:creationId xmlns:a16="http://schemas.microsoft.com/office/drawing/2014/main" id="{7496DD35-39D3-428E-8F84-B6042F13BDCE}"/>
               </a:ext>
             </a:extLst>
           </p:cNvPr>
@@ -4506,13 +4489,48 @@
               </a:ext>
             </a:extLst>
           </a:blip>
-          <a:srcRect l="17314" t="48308" r="31063" b="3980"/>
+          <a:srcRect b="63521"/>
           <a:stretch/>
         </p:blipFill>
         <p:spPr>
           <a:xfrm>
-            <a:off x="5898205" y="-2"/>
-            <a:ext cx="6293795" cy="6858001"/>
+            <a:off x="0" y="2987686"/>
+            <a:ext cx="6096000" cy="3724400"/>
+          </a:xfrm>
+          <a:prstGeom prst="rect">
+            <a:avLst/>
+          </a:prstGeom>
+        </p:spPr>
+      </p:pic>
+      <p:pic>
+        <p:nvPicPr>
+          <p:cNvPr id="19" name="图片 18" descr="图片包含 屏幕截图&#10;&#10;描述已自动生成">
+            <a:extLst>
+              <a:ext uri="{FF2B5EF4-FFF2-40B4-BE49-F238E27FC236}">
+                <a16:creationId xmlns:a16="http://schemas.microsoft.com/office/drawing/2014/main" id="{706E04D1-128C-486B-9AF0-4C3D6A759144}"/>
+              </a:ext>
+            </a:extLst>
+          </p:cNvPr>
+          <p:cNvPicPr>
+            <a:picLocks noChangeAspect="1"/>
+          </p:cNvPicPr>
+          <p:nvPr/>
+        </p:nvPicPr>
+        <p:blipFill rotWithShape="1">
+          <a:blip r:embed="rId3">
+            <a:extLst>
+              <a:ext uri="{28A0092B-C50C-407E-A947-70E740481C1C}">
+                <a14:useLocalDpi xmlns:a14="http://schemas.microsoft.com/office/drawing/2010/main" val="0"/>
+              </a:ext>
+            </a:extLst>
+          </a:blip>
+          <a:srcRect t="36405"/>
+          <a:stretch/>
+        </p:blipFill>
+        <p:spPr>
+          <a:xfrm>
+            <a:off x="6096000" y="219212"/>
+            <a:ext cx="6096000" cy="6492874"/>
           </a:xfrm>
           <a:prstGeom prst="rect">
             <a:avLst/>
